--- a/teaching/io/经济学研究常用中国微观数据.pptx
+++ b/teaching/io/经济学研究常用中国微观数据.pptx
@@ -17,6 +17,7 @@
     <p:sldId id="265" r:id="rId11"/>
     <p:sldId id="266" r:id="rId12"/>
     <p:sldId id="267" r:id="rId13"/>
+    <p:sldId id="268" r:id="rId14"/>
   </p:sldIdLst>
   <p:sldSz cx="12192000" cy="6858000"/>
   <p:notesSz cx="6858000" cy="9144000"/>
@@ -115,6 +116,11 @@
       </a:defRPr>
     </a:lvl9pPr>
   </p:defaultTextStyle>
+  <p:extLst>
+    <p:ext uri="{EFAFB233-063F-42B5-8137-9DF3F51BA10A}">
+      <p15:sldGuideLst xmlns:p15="http://schemas.microsoft.com/office/powerpoint/2012/main"/>
+    </p:ext>
+  </p:extLst>
 </p:presentation>
 </file>
 
@@ -265,7 +271,7 @@
           <a:p>
             <a:fld id="{E86F83C5-F88E-4C18-AAA5-9BA4396D2D7B}" type="datetimeFigureOut">
               <a:rPr lang="zh-CN" altLang="en-US" smtClean="0"/>
-              <a:t>2019/10/29</a:t>
+              <a:t>2019/10/30</a:t>
             </a:fld>
             <a:endParaRPr lang="zh-CN" altLang="en-US"/>
           </a:p>
@@ -463,7 +469,7 @@
           <a:p>
             <a:fld id="{E86F83C5-F88E-4C18-AAA5-9BA4396D2D7B}" type="datetimeFigureOut">
               <a:rPr lang="zh-CN" altLang="en-US" smtClean="0"/>
-              <a:t>2019/10/29</a:t>
+              <a:t>2019/10/30</a:t>
             </a:fld>
             <a:endParaRPr lang="zh-CN" altLang="en-US"/>
           </a:p>
@@ -671,7 +677,7 @@
           <a:p>
             <a:fld id="{E86F83C5-F88E-4C18-AAA5-9BA4396D2D7B}" type="datetimeFigureOut">
               <a:rPr lang="zh-CN" altLang="en-US" smtClean="0"/>
-              <a:t>2019/10/29</a:t>
+              <a:t>2019/10/30</a:t>
             </a:fld>
             <a:endParaRPr lang="zh-CN" altLang="en-US"/>
           </a:p>
@@ -869,7 +875,7 @@
           <a:p>
             <a:fld id="{E86F83C5-F88E-4C18-AAA5-9BA4396D2D7B}" type="datetimeFigureOut">
               <a:rPr lang="zh-CN" altLang="en-US" smtClean="0"/>
-              <a:t>2019/10/29</a:t>
+              <a:t>2019/10/30</a:t>
             </a:fld>
             <a:endParaRPr lang="zh-CN" altLang="en-US"/>
           </a:p>
@@ -1144,7 +1150,7 @@
           <a:p>
             <a:fld id="{E86F83C5-F88E-4C18-AAA5-9BA4396D2D7B}" type="datetimeFigureOut">
               <a:rPr lang="zh-CN" altLang="en-US" smtClean="0"/>
-              <a:t>2019/10/29</a:t>
+              <a:t>2019/10/30</a:t>
             </a:fld>
             <a:endParaRPr lang="zh-CN" altLang="en-US"/>
           </a:p>
@@ -1409,7 +1415,7 @@
           <a:p>
             <a:fld id="{E86F83C5-F88E-4C18-AAA5-9BA4396D2D7B}" type="datetimeFigureOut">
               <a:rPr lang="zh-CN" altLang="en-US" smtClean="0"/>
-              <a:t>2019/10/29</a:t>
+              <a:t>2019/10/30</a:t>
             </a:fld>
             <a:endParaRPr lang="zh-CN" altLang="en-US"/>
           </a:p>
@@ -1821,7 +1827,7 @@
           <a:p>
             <a:fld id="{E86F83C5-F88E-4C18-AAA5-9BA4396D2D7B}" type="datetimeFigureOut">
               <a:rPr lang="zh-CN" altLang="en-US" smtClean="0"/>
-              <a:t>2019/10/29</a:t>
+              <a:t>2019/10/30</a:t>
             </a:fld>
             <a:endParaRPr lang="zh-CN" altLang="en-US"/>
           </a:p>
@@ -1962,7 +1968,7 @@
           <a:p>
             <a:fld id="{E86F83C5-F88E-4C18-AAA5-9BA4396D2D7B}" type="datetimeFigureOut">
               <a:rPr lang="zh-CN" altLang="en-US" smtClean="0"/>
-              <a:t>2019/10/29</a:t>
+              <a:t>2019/10/30</a:t>
             </a:fld>
             <a:endParaRPr lang="zh-CN" altLang="en-US"/>
           </a:p>
@@ -2075,7 +2081,7 @@
           <a:p>
             <a:fld id="{E86F83C5-F88E-4C18-AAA5-9BA4396D2D7B}" type="datetimeFigureOut">
               <a:rPr lang="zh-CN" altLang="en-US" smtClean="0"/>
-              <a:t>2019/10/29</a:t>
+              <a:t>2019/10/30</a:t>
             </a:fld>
             <a:endParaRPr lang="zh-CN" altLang="en-US"/>
           </a:p>
@@ -2386,7 +2392,7 @@
           <a:p>
             <a:fld id="{E86F83C5-F88E-4C18-AAA5-9BA4396D2D7B}" type="datetimeFigureOut">
               <a:rPr lang="zh-CN" altLang="en-US" smtClean="0"/>
-              <a:t>2019/10/29</a:t>
+              <a:t>2019/10/30</a:t>
             </a:fld>
             <a:endParaRPr lang="zh-CN" altLang="en-US"/>
           </a:p>
@@ -2674,7 +2680,7 @@
           <a:p>
             <a:fld id="{E86F83C5-F88E-4C18-AAA5-9BA4396D2D7B}" type="datetimeFigureOut">
               <a:rPr lang="zh-CN" altLang="en-US" smtClean="0"/>
-              <a:t>2019/10/29</a:t>
+              <a:t>2019/10/30</a:t>
             </a:fld>
             <a:endParaRPr lang="zh-CN" altLang="en-US"/>
           </a:p>
@@ -2915,7 +2921,7 @@
           <a:p>
             <a:fld id="{E86F83C5-F88E-4C18-AAA5-9BA4396D2D7B}" type="datetimeFigureOut">
               <a:rPr lang="zh-CN" altLang="en-US" smtClean="0"/>
-              <a:t>2019/10/29</a:t>
+              <a:t>2019/10/30</a:t>
             </a:fld>
             <a:endParaRPr lang="zh-CN" altLang="en-US"/>
           </a:p>
@@ -3764,6 +3770,183 @@
 </p:sld>
 </file>
 
+<file path=ppt/slides/slide13.xml><?xml version="1.0" encoding="utf-8"?>
+<p:sld xmlns:a="http://schemas.openxmlformats.org/drawingml/2006/main" xmlns:r="http://schemas.openxmlformats.org/officeDocument/2006/relationships" xmlns:p="http://schemas.openxmlformats.org/presentationml/2006/main">
+  <p:cSld>
+    <p:spTree>
+      <p:nvGrpSpPr>
+        <p:cNvPr id="1" name=""/>
+        <p:cNvGrpSpPr/>
+        <p:nvPr/>
+      </p:nvGrpSpPr>
+      <p:grpSpPr>
+        <a:xfrm>
+          <a:off x="0" y="0"/>
+          <a:ext cx="0" cy="0"/>
+          <a:chOff x="0" y="0"/>
+          <a:chExt cx="0" cy="0"/>
+        </a:xfrm>
+      </p:grpSpPr>
+      <p:sp>
+        <p:nvSpPr>
+          <p:cNvPr id="2" name="标题 1">
+            <a:extLst>
+              <a:ext uri="{FF2B5EF4-FFF2-40B4-BE49-F238E27FC236}">
+                <a16:creationId xmlns:a16="http://schemas.microsoft.com/office/drawing/2014/main" id="{F1700E0B-7629-4C9E-87FE-9C1B78DD523A}"/>
+              </a:ext>
+            </a:extLst>
+          </p:cNvPr>
+          <p:cNvSpPr>
+            <a:spLocks noGrp="1"/>
+          </p:cNvSpPr>
+          <p:nvPr>
+            <p:ph type="title"/>
+          </p:nvPr>
+        </p:nvSpPr>
+        <p:spPr/>
+        <p:txBody>
+          <a:bodyPr/>
+          <a:lstStyle/>
+          <a:p>
+            <a:r>
+              <a:rPr lang="zh-CN" altLang="en-US" dirty="0"/>
+              <a:t>期末论文要求</a:t>
+            </a:r>
+          </a:p>
+        </p:txBody>
+      </p:sp>
+      <p:sp>
+        <p:nvSpPr>
+          <p:cNvPr id="3" name="内容占位符 2">
+            <a:extLst>
+              <a:ext uri="{FF2B5EF4-FFF2-40B4-BE49-F238E27FC236}">
+                <a16:creationId xmlns:a16="http://schemas.microsoft.com/office/drawing/2014/main" id="{3DDC2ED8-E542-4C56-9938-434E7AE1E593}"/>
+              </a:ext>
+            </a:extLst>
+          </p:cNvPr>
+          <p:cNvSpPr>
+            <a:spLocks noGrp="1"/>
+          </p:cNvSpPr>
+          <p:nvPr>
+            <p:ph idx="1"/>
+          </p:nvPr>
+        </p:nvSpPr>
+        <p:spPr/>
+        <p:txBody>
+          <a:bodyPr/>
+          <a:lstStyle/>
+          <a:p>
+            <a:r>
+              <a:rPr lang="zh-CN" altLang="en-US" dirty="0"/>
+              <a:t>全英文论文</a:t>
+            </a:r>
+            <a:endParaRPr lang="en-US" altLang="zh-CN" dirty="0"/>
+          </a:p>
+          <a:p>
+            <a:r>
+              <a:rPr lang="zh-CN" altLang="en-US" dirty="0"/>
+              <a:t>截止日期：</a:t>
+            </a:r>
+            <a:r>
+              <a:rPr lang="en-US" altLang="zh-CN" dirty="0"/>
+              <a:t>2020</a:t>
+            </a:r>
+            <a:r>
+              <a:rPr lang="zh-CN" altLang="en-US" dirty="0"/>
+              <a:t>年</a:t>
+            </a:r>
+            <a:r>
+              <a:rPr lang="en-US" altLang="zh-CN" dirty="0"/>
+              <a:t>1</a:t>
+            </a:r>
+            <a:r>
+              <a:rPr lang="zh-CN" altLang="en-US" dirty="0"/>
+              <a:t>月</a:t>
+            </a:r>
+            <a:r>
+              <a:rPr lang="en-US" altLang="zh-CN" dirty="0"/>
+              <a:t>8</a:t>
+            </a:r>
+            <a:r>
+              <a:rPr lang="zh-CN" altLang="en-US" dirty="0"/>
+              <a:t>日</a:t>
+            </a:r>
+            <a:endParaRPr lang="en-US" altLang="zh-CN" dirty="0"/>
+          </a:p>
+          <a:p>
+            <a:r>
+              <a:rPr lang="zh-CN" altLang="en-US" dirty="0"/>
+              <a:t>要求：</a:t>
+            </a:r>
+            <a:endParaRPr lang="en-US" altLang="zh-CN" dirty="0"/>
+          </a:p>
+          <a:p>
+            <a:pPr lvl="1"/>
+            <a:r>
+              <a:rPr lang="zh-CN" altLang="en-US" dirty="0"/>
+              <a:t>不少于</a:t>
+            </a:r>
+            <a:r>
+              <a:rPr lang="en-US" altLang="zh-CN" dirty="0"/>
+              <a:t>5</a:t>
+            </a:r>
+            <a:r>
+              <a:rPr lang="zh-CN" altLang="en-US" dirty="0"/>
+              <a:t>页，不少于</a:t>
+            </a:r>
+            <a:r>
+              <a:rPr lang="en-US" altLang="zh-CN" dirty="0"/>
+              <a:t>2000</a:t>
+            </a:r>
+            <a:r>
+              <a:rPr lang="zh-CN" altLang="en-US" dirty="0"/>
+              <a:t>个单词。</a:t>
+            </a:r>
+            <a:endParaRPr lang="en-US" altLang="zh-CN" dirty="0"/>
+          </a:p>
+          <a:p>
+            <a:pPr lvl="1"/>
+            <a:r>
+              <a:rPr lang="zh-CN" altLang="en-US" dirty="0"/>
+              <a:t>格式：单倍行距，</a:t>
+            </a:r>
+            <a:r>
+              <a:rPr lang="en-US" altLang="zh-CN" dirty="0"/>
+              <a:t>12</a:t>
+            </a:r>
+            <a:r>
+              <a:rPr lang="zh-CN" altLang="en-US" dirty="0"/>
+              <a:t>号字体，</a:t>
+            </a:r>
+            <a:r>
+              <a:rPr lang="en-US" altLang="zh-CN" dirty="0"/>
+              <a:t>1</a:t>
+            </a:r>
+            <a:r>
+              <a:rPr lang="zh-CN" altLang="en-US" dirty="0"/>
+              <a:t>英寸边</a:t>
+            </a:r>
+            <a:r>
+              <a:rPr lang="zh-CN" altLang="en-US"/>
+              <a:t>距。</a:t>
+            </a:r>
+            <a:endParaRPr lang="zh-CN" altLang="en-US" dirty="0"/>
+          </a:p>
+        </p:txBody>
+      </p:sp>
+    </p:spTree>
+    <p:extLst>
+      <p:ext uri="{BB962C8B-B14F-4D97-AF65-F5344CB8AC3E}">
+        <p14:creationId xmlns:p14="http://schemas.microsoft.com/office/powerpoint/2010/main" val="2247774659"/>
+      </p:ext>
+    </p:extLst>
+  </p:cSld>
+  <p:clrMapOvr>
+    <a:masterClrMapping/>
+  </p:clrMapOvr>
+</p:sld>
+</file>
+
 <file path=ppt/slides/slide2.xml><?xml version="1.0" encoding="utf-8"?>
 <p:sld xmlns:a="http://schemas.openxmlformats.org/drawingml/2006/main" xmlns:r="http://schemas.openxmlformats.org/officeDocument/2006/relationships" xmlns:p="http://schemas.openxmlformats.org/presentationml/2006/main">
   <p:cSld>
